--- a/gamePresentation/rendu/Burger Builder.pptx
+++ b/gamePresentation/rendu/Burger Builder.pptx
@@ -4533,7 +4533,7 @@
           <a:p>
             <a:r>
               <a:rPr lang="fr-CH" dirty="0" err="1"/>
-              <a:t>J.Chatillon</a:t>
+              <a:t>J.Châtillon</a:t>
             </a:r>
             <a:endParaRPr lang="fr-CH" dirty="0"/>
           </a:p>
@@ -5677,10 +5677,9 @@
           <a:p>
             <a:pPr algn="ctr"/>
             <a:r>
-              <a:rPr lang="fr-CH" dirty="0" err="1"/>
-              <a:t>Implementation</a:t>
-            </a:r>
-            <a:endParaRPr lang="fr-CH" dirty="0"/>
+              <a:rPr lang="fr-CH" dirty="0"/>
+              <a:t>Implémentation</a:t>
+            </a:r>
           </a:p>
         </p:txBody>
       </p:sp>
@@ -5887,7 +5886,7 @@
         </p:blipFill>
         <p:spPr>
           <a:xfrm>
-            <a:off x="121627" y="167055"/>
+            <a:off x="121627" y="158263"/>
             <a:ext cx="11948746" cy="6005146"/>
           </a:xfrm>
           <a:prstGeom prst="rect">
